--- a/docs/diagrams/MeetCommandLogicDiagram4.pptx
+++ b/docs/diagrams/MeetCommandLogicDiagram4.pptx
@@ -3453,7 +3453,7 @@
             <a:avLst/>
           </a:prstGeom>
           <a:solidFill>
-            <a:srgbClr val="FFC000"/>
+            <a:srgbClr val="00B050"/>
           </a:solidFill>
           <a:ln w="38100">
             <a:solidFill>
